--- a/03/009x_32.pptx
+++ b/03/009x_32.pptx
@@ -153,7 +153,7 @@
   </p:defaultTextStyle>
   <p:extLst>
     <p:ext uri="{EFAFB233-063F-42B5-8137-9DF3F51BA10A}">
-      <p15:sldGuideLst xmlns:p15="http://schemas.microsoft.com/office/powerpoint/2012/main" xmlns="">
+      <p15:sldGuideLst xmlns="" xmlns:p15="http://schemas.microsoft.com/office/powerpoint/2012/main">
         <p15:guide id="1" orient="horz" pos="2160" userDrawn="1">
           <p15:clr>
             <a:srgbClr val="A4A3A4"/>
@@ -252,7 +252,7 @@
           <a:p>
             <a:fld id="{0412B963-281D-0642-81B7-06A60C2985AD}" type="datetime1">
               <a:rPr kumimoji="1" lang="ja-JP" altLang="en-US" smtClean="0"/>
-              <a:t>17/01/18</a:t>
+              <a:t>18/01/07</a:t>
             </a:fld>
             <a:endParaRPr kumimoji="1" lang="ja-JP" altLang="en-US"/>
           </a:p>
@@ -442,7 +442,7 @@
             </a:pPr>
             <a:fld id="{0EE9D497-FB4E-3041-93C1-90E0C07422CD}" type="datetime1">
               <a:rPr lang="ja-JP" altLang="en-US" smtClean="0"/>
-              <a:t>17/01/18</a:t>
+              <a:t>18/01/07</a:t>
             </a:fld>
             <a:endParaRPr lang="en-US"/>
           </a:p>
@@ -3308,7 +3308,7 @@
             </a:pPr>
             <a:fld id="{A023B52E-C3FC-A848-B8A7-4DBA8B1017FE}" type="datetime1">
               <a:rPr lang="ja-JP" altLang="en-US" smtClean="0"/>
-              <a:t>17/01/18</a:t>
+              <a:t>18/01/07</a:t>
             </a:fld>
             <a:endParaRPr lang="en-US"/>
           </a:p>
@@ -3565,7 +3565,7 @@
             </a:pPr>
             <a:fld id="{2DE75801-1A6B-394A-B005-5786EC074A9B}" type="datetime1">
               <a:rPr lang="ja-JP" altLang="en-US" smtClean="0"/>
-              <a:t>17/01/18</a:t>
+              <a:t>18/01/07</a:t>
             </a:fld>
             <a:endParaRPr lang="en-US"/>
           </a:p>
@@ -3800,7 +3800,7 @@
             </a:pPr>
             <a:fld id="{073DB193-1D39-D94F-8E40-C5EC80DBC0CC}" type="datetime1">
               <a:rPr lang="ja-JP" altLang="en-US" smtClean="0"/>
-              <a:t>17/01/18</a:t>
+              <a:t>18/01/07</a:t>
             </a:fld>
             <a:endParaRPr lang="en-US"/>
           </a:p>
@@ -4305,7 +4305,7 @@
             </a:pPr>
             <a:fld id="{7D58C5EB-780A-E642-8BB9-48AF6B9A0C93}" type="datetime1">
               <a:rPr lang="ja-JP" altLang="en-US" smtClean="0"/>
-              <a:t>17/01/18</a:t>
+              <a:t>18/01/07</a:t>
             </a:fld>
             <a:endParaRPr lang="en-US"/>
           </a:p>
@@ -4613,7 +4613,7 @@
             </a:pPr>
             <a:fld id="{EC559CBC-7087-6D41-8C71-6B6BCC6E0EE3}" type="datetime1">
               <a:rPr lang="ja-JP" altLang="en-US" smtClean="0"/>
-              <a:t>17/01/18</a:t>
+              <a:t>18/01/07</a:t>
             </a:fld>
             <a:endParaRPr lang="en-US"/>
           </a:p>
@@ -5275,7 +5275,7 @@
             </a:pPr>
             <a:fld id="{342E31EE-E339-0841-B520-05F3A10B4FBF}" type="datetime1">
               <a:rPr lang="ja-JP" altLang="en-US" smtClean="0"/>
-              <a:t>17/01/18</a:t>
+              <a:t>18/01/07</a:t>
             </a:fld>
             <a:endParaRPr lang="en-US"/>
           </a:p>
@@ -6067,7 +6067,7 @@
             </a:pPr>
             <a:fld id="{9C45F164-7935-224C-A922-3217B740A4E7}" type="datetime1">
               <a:rPr lang="ja-JP" altLang="en-US" smtClean="0"/>
-              <a:t>17/01/18</a:t>
+              <a:t>18/01/07</a:t>
             </a:fld>
             <a:endParaRPr lang="en-US"/>
           </a:p>
@@ -6504,7 +6504,7 @@
             </a:pPr>
             <a:fld id="{84905C6B-2FEB-1741-BBF6-BD111E1D4EA0}" type="datetime1">
               <a:rPr lang="ja-JP" altLang="en-US" smtClean="0"/>
-              <a:t>17/01/18</a:t>
+              <a:t>18/01/07</a:t>
             </a:fld>
             <a:endParaRPr lang="en-US"/>
           </a:p>
@@ -6835,7 +6835,7 @@
             </a:pPr>
             <a:fld id="{331FF03F-3229-1D47-9BC7-23D3C122EEFB}" type="datetime1">
               <a:rPr lang="ja-JP" altLang="en-US" smtClean="0"/>
-              <a:t>17/01/18</a:t>
+              <a:t>18/01/07</a:t>
             </a:fld>
             <a:endParaRPr lang="en-US"/>
           </a:p>
@@ -7185,7 +7185,7 @@
             </a:pPr>
             <a:fld id="{9B242E05-CAC7-5E43-8B86-8A3E0256E9A3}" type="datetime1">
               <a:rPr lang="ja-JP" altLang="en-US" smtClean="0"/>
-              <a:t>17/01/18</a:t>
+              <a:t>18/01/07</a:t>
             </a:fld>
             <a:endParaRPr lang="en-US"/>
           </a:p>
@@ -7468,7 +7468,7 @@
             </a:pPr>
             <a:fld id="{60626716-BD6C-D348-A5AA-41DF31DB35E1}" type="datetime1">
               <a:rPr lang="ja-JP" altLang="en-US" smtClean="0"/>
-              <a:t>17/01/18</a:t>
+              <a:t>18/01/07</a:t>
             </a:fld>
             <a:endParaRPr lang="en-US"/>
           </a:p>
@@ -7759,7 +7759,7 @@
             </a:pPr>
             <a:fld id="{2062BAB6-2670-A84E-B27B-9C88D5D27877}" type="datetime1">
               <a:rPr lang="ja-JP" altLang="en-US" smtClean="0"/>
-              <a:t>17/01/18</a:t>
+              <a:t>18/01/07</a:t>
             </a:fld>
             <a:endParaRPr lang="en-US"/>
           </a:p>
@@ -8479,7 +8479,7 @@
           <p:nvPr>
             <p:extLst>
               <p:ext uri="{D42A27DB-BD31-4B8C-83A1-F6EECF244321}">
-                <p14:modId xmlns:p14="http://schemas.microsoft.com/office/powerpoint/2010/main" val="3494131416"/>
+                <p14:modId xmlns:p14="http://schemas.microsoft.com/office/powerpoint/2010/main" val="1655728100"/>
               </p:ext>
             </p:extLst>
           </p:nvPr>
@@ -8492,7 +8492,7 @@
           <a:graphicData uri="http://schemas.openxmlformats.org/presentationml/2006/ole">
             <mc:AlternateContent xmlns:mc="http://schemas.openxmlformats.org/markup-compatibility/2006">
               <mc:Choice xmlns:v="urn:schemas-microsoft-com:vml" Requires="v">
-                <p:oleObj spid="_x0000_s48873" name="文書" r:id="rId4" imgW="4495800" imgH="2057400" progId="Word.Document.12">
+                <p:oleObj spid="_x0000_s48875" name="文書" r:id="rId4" imgW="4495800" imgH="2057400" progId="Word.Document.12">
                   <p:embed/>
                 </p:oleObj>
               </mc:Choice>
@@ -8663,7 +8663,7 @@
           <p:nvPr>
             <p:extLst>
               <p:ext uri="{D42A27DB-BD31-4B8C-83A1-F6EECF244321}">
-                <p14:modId xmlns:p14="http://schemas.microsoft.com/office/powerpoint/2010/main" val="4056905846"/>
+                <p14:modId xmlns:p14="http://schemas.microsoft.com/office/powerpoint/2010/main" val="4021709316"/>
               </p:ext>
             </p:extLst>
           </p:nvPr>
@@ -8676,7 +8676,7 @@
           <a:graphicData uri="http://schemas.openxmlformats.org/presentationml/2006/ole">
             <mc:AlternateContent xmlns:mc="http://schemas.openxmlformats.org/markup-compatibility/2006">
               <mc:Choice xmlns:v="urn:schemas-microsoft-com:vml" Requires="v">
-                <p:oleObj spid="_x0000_s61448" name="文書" r:id="rId4" imgW="4495800" imgH="2057400" progId="Word.Document.12">
+                <p:oleObj spid="_x0000_s61456" name="文書" r:id="rId4" imgW="4495800" imgH="2057400" progId="Word.Document.12">
                   <p:embed/>
                 </p:oleObj>
               </mc:Choice>
@@ -8889,7 +8889,7 @@
           <a:graphicData uri="http://schemas.openxmlformats.org/presentationml/2006/ole">
             <mc:AlternateContent xmlns:mc="http://schemas.openxmlformats.org/markup-compatibility/2006">
               <mc:Choice xmlns:v="urn:schemas-microsoft-com:vml" Requires="v">
-                <p:oleObj spid="_x0000_s61449" name="Equation" r:id="rId6" imgW="88900" imgH="139700" progId="Equation.DSMT4">
+                <p:oleObj spid="_x0000_s61457" name="Equation" r:id="rId6" imgW="88900" imgH="139700" progId="Equation.DSMT4">
                   <p:embed/>
                 </p:oleObj>
               </mc:Choice>
@@ -8946,7 +8946,7 @@
           <a:graphicData uri="http://schemas.openxmlformats.org/presentationml/2006/ole">
             <mc:AlternateContent xmlns:mc="http://schemas.openxmlformats.org/markup-compatibility/2006">
               <mc:Choice xmlns:v="urn:schemas-microsoft-com:vml" Requires="v">
-                <p:oleObj spid="_x0000_s61450" name="Equation" r:id="rId8" imgW="88900" imgH="139700" progId="Equation.DSMT4">
+                <p:oleObj spid="_x0000_s61458" name="Equation" r:id="rId8" imgW="88900" imgH="139700" progId="Equation.DSMT4">
                   <p:embed/>
                 </p:oleObj>
               </mc:Choice>
@@ -9003,7 +9003,7 @@
           <a:graphicData uri="http://schemas.openxmlformats.org/presentationml/2006/ole">
             <mc:AlternateContent xmlns:mc="http://schemas.openxmlformats.org/markup-compatibility/2006">
               <mc:Choice xmlns:v="urn:schemas-microsoft-com:vml" Requires="v">
-                <p:oleObj spid="_x0000_s61451" name="Equation" r:id="rId9" imgW="114300" imgH="241300" progId="Equation.DSMT4">
+                <p:oleObj spid="_x0000_s61459" name="Equation" r:id="rId9" imgW="114300" imgH="241300" progId="Equation.DSMT4">
                   <p:embed/>
                 </p:oleObj>
               </mc:Choice>
@@ -9060,7 +9060,7 @@
           <a:graphicData uri="http://schemas.openxmlformats.org/presentationml/2006/ole">
             <mc:AlternateContent xmlns:mc="http://schemas.openxmlformats.org/markup-compatibility/2006">
               <mc:Choice xmlns:v="urn:schemas-microsoft-com:vml" Requires="v">
-                <p:oleObj spid="_x0000_s61452" name="Equation" r:id="rId11" imgW="139700" imgH="241300" progId="Equation.DSMT4">
+                <p:oleObj spid="_x0000_s61460" name="Equation" r:id="rId11" imgW="139700" imgH="241300" progId="Equation.DSMT4">
                   <p:embed/>
                 </p:oleObj>
               </mc:Choice>
@@ -9212,7 +9212,7 @@
           <a:graphicData uri="http://schemas.openxmlformats.org/presentationml/2006/ole">
             <mc:AlternateContent xmlns:mc="http://schemas.openxmlformats.org/markup-compatibility/2006">
               <mc:Choice xmlns:v="urn:schemas-microsoft-com:vml" Requires="v">
-                <p:oleObj spid="_x0000_s61453" name="Equation" r:id="rId13" imgW="368300" imgH="241300" progId="Equation.DSMT4">
+                <p:oleObj spid="_x0000_s61461" name="Equation" r:id="rId13" imgW="368300" imgH="241300" progId="Equation.DSMT4">
                   <p:embed/>
                 </p:oleObj>
               </mc:Choice>
@@ -9269,7 +9269,7 @@
           <a:graphicData uri="http://schemas.openxmlformats.org/presentationml/2006/ole">
             <mc:AlternateContent xmlns:mc="http://schemas.openxmlformats.org/markup-compatibility/2006">
               <mc:Choice xmlns:v="urn:schemas-microsoft-com:vml" Requires="v">
-                <p:oleObj spid="_x0000_s61454" name="Equation" r:id="rId15" imgW="368300" imgH="241300" progId="Equation.DSMT4">
+                <p:oleObj spid="_x0000_s61462" name="Equation" r:id="rId15" imgW="368300" imgH="241300" progId="Equation.DSMT4">
                   <p:embed/>
                 </p:oleObj>
               </mc:Choice>
@@ -9363,12 +9363,12 @@
           <a:graphicData uri="http://schemas.openxmlformats.org/presentationml/2006/ole">
             <mc:AlternateContent xmlns:mc="http://schemas.openxmlformats.org/markup-compatibility/2006">
               <mc:Choice xmlns:v="urn:schemas-microsoft-com:vml" Requires="v">
-                <p:oleObj spid="_x0000_s49270" name="文書" r:id="rId4" imgW="4495800" imgH="2286000" progId="Word.Document.12">
+                <p:oleObj spid="_x0000_s49272" name="文書" r:id="rId5" imgW="4495800" imgH="2286000" progId="Word.Document.12">
                   <p:embed/>
                 </p:oleObj>
               </mc:Choice>
               <mc:Fallback>
-                <p:oleObj name="文書" r:id="rId4" imgW="4495800" imgH="2286000" progId="Word.Document.12">
+                <p:oleObj name="文書" r:id="rId5" imgW="4495800" imgH="2286000" progId="Word.Document.12">
                   <p:embed/>
                   <p:pic>
                     <p:nvPicPr>
@@ -9377,7 +9377,7 @@
                       <p:nvPr/>
                     </p:nvPicPr>
                     <p:blipFill>
-                      <a:blip r:embed="rId5"/>
+                      <a:blip r:embed="rId6"/>
                       <a:stretch>
                         <a:fillRect/>
                       </a:stretch>
@@ -9547,12 +9547,12 @@
           <a:graphicData uri="http://schemas.openxmlformats.org/presentationml/2006/ole">
             <mc:AlternateContent xmlns:mc="http://schemas.openxmlformats.org/markup-compatibility/2006">
               <mc:Choice xmlns:v="urn:schemas-microsoft-com:vml" Requires="v">
-                <p:oleObj spid="_x0000_s1637" name="文書" r:id="rId4" imgW="4495800" imgH="2146300" progId="Word.Document.12">
+                <p:oleObj spid="_x0000_s1641" name="文書" r:id="rId5" imgW="4495800" imgH="2146300" progId="Word.Document.12">
                   <p:embed/>
                 </p:oleObj>
               </mc:Choice>
               <mc:Fallback>
-                <p:oleObj name="文書" r:id="rId4" imgW="4495800" imgH="2146300" progId="Word.Document.12">
+                <p:oleObj name="文書" r:id="rId5" imgW="4495800" imgH="2146300" progId="Word.Document.12">
                   <p:embed/>
                   <p:pic>
                     <p:nvPicPr>
@@ -9561,7 +9561,7 @@
                       <p:nvPr/>
                     </p:nvPicPr>
                     <p:blipFill>
-                      <a:blip r:embed="rId5"/>
+                      <a:blip r:embed="rId6"/>
                       <a:stretch>
                         <a:fillRect/>
                       </a:stretch>
@@ -9694,12 +9694,12 @@
           <a:graphicData uri="http://schemas.openxmlformats.org/presentationml/2006/ole">
             <mc:AlternateContent xmlns:mc="http://schemas.openxmlformats.org/markup-compatibility/2006">
               <mc:Choice xmlns:v="urn:schemas-microsoft-com:vml" Requires="v">
-                <p:oleObj spid="_x0000_s1638" name="Document" r:id="rId6" imgW="4495800" imgH="1663700" progId="Word.Document.12">
+                <p:oleObj spid="_x0000_s1642" name="Document" r:id="rId8" imgW="4495800" imgH="1663700" progId="Word.Document.12">
                   <p:embed/>
                 </p:oleObj>
               </mc:Choice>
               <mc:Fallback>
-                <p:oleObj name="Document" r:id="rId6" imgW="4495800" imgH="1663700" progId="Word.Document.12">
+                <p:oleObj name="Document" r:id="rId8" imgW="4495800" imgH="1663700" progId="Word.Document.12">
                   <p:embed/>
                   <p:pic>
                     <p:nvPicPr>
@@ -9708,7 +9708,7 @@
                       <p:nvPr/>
                     </p:nvPicPr>
                     <p:blipFill>
-                      <a:blip r:embed="rId7"/>
+                      <a:blip r:embed="rId9"/>
                       <a:stretch>
                         <a:fillRect/>
                       </a:stretch>
@@ -9751,12 +9751,12 @@
           <a:graphicData uri="http://schemas.openxmlformats.org/presentationml/2006/ole">
             <mc:AlternateContent xmlns:mc="http://schemas.openxmlformats.org/markup-compatibility/2006">
               <mc:Choice xmlns:v="urn:schemas-microsoft-com:vml" Requires="v">
-                <p:oleObj spid="_x0000_s1639" name="文書" r:id="rId8" imgW="5397500" imgH="1689100" progId="Word.Document.12">
+                <p:oleObj spid="_x0000_s1643" name="文書" r:id="rId11" imgW="5397500" imgH="1689100" progId="Word.Document.12">
                   <p:embed/>
                 </p:oleObj>
               </mc:Choice>
               <mc:Fallback>
-                <p:oleObj name="文書" r:id="rId8" imgW="5397500" imgH="1689100" progId="Word.Document.12">
+                <p:oleObj name="文書" r:id="rId11" imgW="5397500" imgH="1689100" progId="Word.Document.12">
                   <p:embed/>
                   <p:pic>
                     <p:nvPicPr>
@@ -9765,7 +9765,7 @@
                       <p:nvPr/>
                     </p:nvPicPr>
                     <p:blipFill>
-                      <a:blip r:embed="rId9"/>
+                      <a:blip r:embed="rId12"/>
                       <a:stretch>
                         <a:fillRect/>
                       </a:stretch>
@@ -9846,12 +9846,12 @@
           <a:graphicData uri="http://schemas.openxmlformats.org/presentationml/2006/ole">
             <mc:AlternateContent xmlns:mc="http://schemas.openxmlformats.org/markup-compatibility/2006">
               <mc:Choice xmlns:v="urn:schemas-microsoft-com:vml" Requires="v">
-                <p:oleObj spid="_x0000_s43144" name="文書" r:id="rId4" imgW="4495800" imgH="2006600" progId="Word.Document.12">
+                <p:oleObj spid="_x0000_s43146" name="文書" r:id="rId5" imgW="4495800" imgH="2006600" progId="Word.Document.12">
                   <p:embed/>
                 </p:oleObj>
               </mc:Choice>
               <mc:Fallback>
-                <p:oleObj name="文書" r:id="rId4" imgW="4495800" imgH="2006600" progId="Word.Document.12">
+                <p:oleObj name="文書" r:id="rId5" imgW="4495800" imgH="2006600" progId="Word.Document.12">
                   <p:embed/>
                   <p:pic>
                     <p:nvPicPr>
@@ -9860,7 +9860,7 @@
                       <p:nvPr/>
                     </p:nvPicPr>
                     <p:blipFill>
-                      <a:blip r:embed="rId5"/>
+                      <a:blip r:embed="rId6"/>
                       <a:stretch>
                         <a:fillRect/>
                       </a:stretch>
@@ -10030,12 +10030,12 @@
           <a:graphicData uri="http://schemas.openxmlformats.org/presentationml/2006/ole">
             <mc:AlternateContent xmlns:mc="http://schemas.openxmlformats.org/markup-compatibility/2006">
               <mc:Choice xmlns:v="urn:schemas-microsoft-com:vml" Requires="v">
-                <p:oleObj spid="_x0000_s44157" name="文書" r:id="rId4" imgW="4495800" imgH="2057400" progId="Word.Document.12">
+                <p:oleObj spid="_x0000_s44159" name="文書" r:id="rId5" imgW="4495800" imgH="2057400" progId="Word.Document.12">
                   <p:embed/>
                 </p:oleObj>
               </mc:Choice>
               <mc:Fallback>
-                <p:oleObj name="文書" r:id="rId4" imgW="4495800" imgH="2057400" progId="Word.Document.12">
+                <p:oleObj name="文書" r:id="rId5" imgW="4495800" imgH="2057400" progId="Word.Document.12">
                   <p:embed/>
                   <p:pic>
                     <p:nvPicPr>
@@ -10044,7 +10044,7 @@
                       <p:nvPr/>
                     </p:nvPicPr>
                     <p:blipFill>
-                      <a:blip r:embed="rId5"/>
+                      <a:blip r:embed="rId6"/>
                       <a:stretch>
                         <a:fillRect/>
                       </a:stretch>
@@ -10304,12 +10304,12 @@
           <a:graphicData uri="http://schemas.openxmlformats.org/presentationml/2006/ole">
             <mc:AlternateContent xmlns:mc="http://schemas.openxmlformats.org/markup-compatibility/2006">
               <mc:Choice xmlns:v="urn:schemas-microsoft-com:vml" Requires="v">
-                <p:oleObj spid="_x0000_s55062" name="文書" r:id="rId4" imgW="4495800" imgH="215900" progId="Word.Document.12">
+                <p:oleObj spid="_x0000_s55071" name="文書" r:id="rId5" imgW="4495800" imgH="215900" progId="Word.Document.12">
                   <p:embed/>
                 </p:oleObj>
               </mc:Choice>
               <mc:Fallback>
-                <p:oleObj name="文書" r:id="rId4" imgW="4495800" imgH="215900" progId="Word.Document.12">
+                <p:oleObj name="文書" r:id="rId5" imgW="4495800" imgH="215900" progId="Word.Document.12">
                   <p:embed/>
                   <p:pic>
                     <p:nvPicPr>
@@ -10318,7 +10318,7 @@
                       <p:nvPr/>
                     </p:nvPicPr>
                     <p:blipFill>
-                      <a:blip r:embed="rId5"/>
+                      <a:blip r:embed="rId6"/>
                       <a:stretch>
                         <a:fillRect/>
                       </a:stretch>
@@ -10469,12 +10469,12 @@
           <a:graphicData uri="http://schemas.openxmlformats.org/presentationml/2006/ole">
             <mc:AlternateContent xmlns:mc="http://schemas.openxmlformats.org/markup-compatibility/2006">
               <mc:Choice xmlns:v="urn:schemas-microsoft-com:vml" Requires="v">
-                <p:oleObj spid="_x0000_s55063" name="Equation" r:id="rId6" imgW="241300" imgH="190500" progId="Equation.DSMT4">
+                <p:oleObj spid="_x0000_s55072" name="Equation" r:id="rId7" imgW="241300" imgH="190500" progId="Equation.DSMT4">
                   <p:embed/>
                 </p:oleObj>
               </mc:Choice>
               <mc:Fallback>
-                <p:oleObj name="Equation" r:id="rId6" imgW="241300" imgH="190500" progId="Equation.DSMT4">
+                <p:oleObj name="Equation" r:id="rId7" imgW="241300" imgH="190500" progId="Equation.DSMT4">
                   <p:embed/>
                   <p:pic>
                     <p:nvPicPr>
@@ -10483,7 +10483,7 @@
                       <p:nvPr/>
                     </p:nvPicPr>
                     <p:blipFill>
-                      <a:blip r:embed="rId7"/>
+                      <a:blip r:embed="rId8"/>
                       <a:stretch>
                         <a:fillRect/>
                       </a:stretch>
@@ -10529,12 +10529,12 @@
           <a:graphicData uri="http://schemas.openxmlformats.org/presentationml/2006/ole">
             <mc:AlternateContent xmlns:mc="http://schemas.openxmlformats.org/markup-compatibility/2006">
               <mc:Choice xmlns:v="urn:schemas-microsoft-com:vml" Requires="v">
-                <p:oleObj spid="_x0000_s55064" name="Equation" r:id="rId8" imgW="165100" imgH="139700" progId="Equation.DSMT4">
+                <p:oleObj spid="_x0000_s55073" name="Equation" r:id="rId9" imgW="165100" imgH="139700" progId="Equation.DSMT4">
                   <p:embed/>
                 </p:oleObj>
               </mc:Choice>
               <mc:Fallback>
-                <p:oleObj name="Equation" r:id="rId8" imgW="165100" imgH="139700" progId="Equation.DSMT4">
+                <p:oleObj name="Equation" r:id="rId9" imgW="165100" imgH="139700" progId="Equation.DSMT4">
                   <p:embed/>
                   <p:pic>
                     <p:nvPicPr>
@@ -10543,7 +10543,7 @@
                       <p:nvPr/>
                     </p:nvPicPr>
                     <p:blipFill>
-                      <a:blip r:embed="rId9"/>
+                      <a:blip r:embed="rId10"/>
                       <a:stretch>
                         <a:fillRect/>
                       </a:stretch>
@@ -10586,12 +10586,12 @@
           <a:graphicData uri="http://schemas.openxmlformats.org/presentationml/2006/ole">
             <mc:AlternateContent xmlns:mc="http://schemas.openxmlformats.org/markup-compatibility/2006">
               <mc:Choice xmlns:v="urn:schemas-microsoft-com:vml" Requires="v">
-                <p:oleObj spid="_x0000_s55065" name="Equation" r:id="rId10" imgW="203200" imgH="241300" progId="Equation.DSMT4">
+                <p:oleObj spid="_x0000_s55074" name="Equation" r:id="rId11" imgW="203200" imgH="241300" progId="Equation.DSMT4">
                   <p:embed/>
                 </p:oleObj>
               </mc:Choice>
               <mc:Fallback>
-                <p:oleObj name="Equation" r:id="rId10" imgW="203200" imgH="241300" progId="Equation.DSMT4">
+                <p:oleObj name="Equation" r:id="rId11" imgW="203200" imgH="241300" progId="Equation.DSMT4">
                   <p:embed/>
                   <p:pic>
                     <p:nvPicPr>
@@ -10600,7 +10600,7 @@
                       <p:nvPr/>
                     </p:nvPicPr>
                     <p:blipFill>
-                      <a:blip r:embed="rId11"/>
+                      <a:blip r:embed="rId12"/>
                       <a:stretch>
                         <a:fillRect/>
                       </a:stretch>
@@ -10751,12 +10751,12 @@
           <a:graphicData uri="http://schemas.openxmlformats.org/presentationml/2006/ole">
             <mc:AlternateContent xmlns:mc="http://schemas.openxmlformats.org/markup-compatibility/2006">
               <mc:Choice xmlns:v="urn:schemas-microsoft-com:vml" Requires="v">
-                <p:oleObj spid="_x0000_s55066" name="Equation" r:id="rId12" imgW="88900" imgH="139700" progId="Equation.DSMT4">
+                <p:oleObj spid="_x0000_s55075" name="Equation" r:id="rId13" imgW="88900" imgH="139700" progId="Equation.DSMT4">
                   <p:embed/>
                 </p:oleObj>
               </mc:Choice>
               <mc:Fallback>
-                <p:oleObj name="Equation" r:id="rId12" imgW="88900" imgH="139700" progId="Equation.DSMT4">
+                <p:oleObj name="Equation" r:id="rId13" imgW="88900" imgH="139700" progId="Equation.DSMT4">
                   <p:embed/>
                   <p:pic>
                     <p:nvPicPr>
@@ -10765,7 +10765,7 @@
                       <p:nvPr/>
                     </p:nvPicPr>
                     <p:blipFill>
-                      <a:blip r:embed="rId13"/>
+                      <a:blip r:embed="rId14"/>
                       <a:stretch>
                         <a:fillRect/>
                       </a:stretch>
@@ -10844,12 +10844,12 @@
           <a:graphicData uri="http://schemas.openxmlformats.org/presentationml/2006/ole">
             <mc:AlternateContent xmlns:mc="http://schemas.openxmlformats.org/markup-compatibility/2006">
               <mc:Choice xmlns:v="urn:schemas-microsoft-com:vml" Requires="v">
-                <p:oleObj spid="_x0000_s55067" name="Equation" r:id="rId14" imgW="203200" imgH="241300" progId="Equation.DSMT4">
+                <p:oleObj spid="_x0000_s55076" name="Equation" r:id="rId15" imgW="203200" imgH="241300" progId="Equation.DSMT4">
                   <p:embed/>
                 </p:oleObj>
               </mc:Choice>
               <mc:Fallback>
-                <p:oleObj name="Equation" r:id="rId14" imgW="203200" imgH="241300" progId="Equation.DSMT4">
+                <p:oleObj name="Equation" r:id="rId15" imgW="203200" imgH="241300" progId="Equation.DSMT4">
                   <p:embed/>
                   <p:pic>
                     <p:nvPicPr>
@@ -10858,7 +10858,7 @@
                       <p:nvPr/>
                     </p:nvPicPr>
                     <p:blipFill>
-                      <a:blip r:embed="rId15"/>
+                      <a:blip r:embed="rId16"/>
                       <a:stretch>
                         <a:fillRect/>
                       </a:stretch>
@@ -10901,12 +10901,12 @@
           <a:graphicData uri="http://schemas.openxmlformats.org/presentationml/2006/ole">
             <mc:AlternateContent xmlns:mc="http://schemas.openxmlformats.org/markup-compatibility/2006">
               <mc:Choice xmlns:v="urn:schemas-microsoft-com:vml" Requires="v">
-                <p:oleObj spid="_x0000_s55068" name="Equation" r:id="rId16" imgW="787400" imgH="241300" progId="Equation.DSMT4">
+                <p:oleObj spid="_x0000_s55077" name="Equation" r:id="rId17" imgW="787400" imgH="241300" progId="Equation.DSMT4">
                   <p:embed/>
                 </p:oleObj>
               </mc:Choice>
               <mc:Fallback>
-                <p:oleObj name="Equation" r:id="rId16" imgW="787400" imgH="241300" progId="Equation.DSMT4">
+                <p:oleObj name="Equation" r:id="rId17" imgW="787400" imgH="241300" progId="Equation.DSMT4">
                   <p:embed/>
                   <p:pic>
                     <p:nvPicPr>
@@ -10915,7 +10915,7 @@
                       <p:nvPr/>
                     </p:nvPicPr>
                     <p:blipFill>
-                      <a:blip r:embed="rId17"/>
+                      <a:blip r:embed="rId18"/>
                       <a:stretch>
                         <a:fillRect/>
                       </a:stretch>
@@ -10958,12 +10958,12 @@
           <a:graphicData uri="http://schemas.openxmlformats.org/presentationml/2006/ole">
             <mc:AlternateContent xmlns:mc="http://schemas.openxmlformats.org/markup-compatibility/2006">
               <mc:Choice xmlns:v="urn:schemas-microsoft-com:vml" Requires="v">
-                <p:oleObj spid="_x0000_s55069" name="Equation" r:id="rId18" imgW="965200" imgH="241300" progId="Equation.DSMT4">
+                <p:oleObj spid="_x0000_s55078" name="Equation" r:id="rId19" imgW="965200" imgH="241300" progId="Equation.DSMT4">
                   <p:embed/>
                 </p:oleObj>
               </mc:Choice>
               <mc:Fallback>
-                <p:oleObj name="Equation" r:id="rId18" imgW="965200" imgH="241300" progId="Equation.DSMT4">
+                <p:oleObj name="Equation" r:id="rId19" imgW="965200" imgH="241300" progId="Equation.DSMT4">
                   <p:embed/>
                   <p:pic>
                     <p:nvPicPr>
@@ -10972,7 +10972,7 @@
                       <p:nvPr/>
                     </p:nvPicPr>
                     <p:blipFill>
-                      <a:blip r:embed="rId19"/>
+                      <a:blip r:embed="rId20"/>
                       <a:stretch>
                         <a:fillRect/>
                       </a:stretch>
@@ -11052,12 +11052,12 @@
           <a:graphicData uri="http://schemas.openxmlformats.org/presentationml/2006/ole">
             <mc:AlternateContent xmlns:mc="http://schemas.openxmlformats.org/markup-compatibility/2006">
               <mc:Choice xmlns:v="urn:schemas-microsoft-com:vml" Requires="v">
-                <p:oleObj spid="_x0000_s45180" name="文書" r:id="rId4" imgW="4495800" imgH="1981200" progId="Word.Document.12">
+                <p:oleObj spid="_x0000_s45182" name="文書" r:id="rId5" imgW="4495800" imgH="1981200" progId="Word.Document.12">
                   <p:embed/>
                 </p:oleObj>
               </mc:Choice>
               <mc:Fallback>
-                <p:oleObj name="文書" r:id="rId4" imgW="4495800" imgH="1981200" progId="Word.Document.12">
+                <p:oleObj name="文書" r:id="rId5" imgW="4495800" imgH="1981200" progId="Word.Document.12">
                   <p:embed/>
                   <p:pic>
                     <p:nvPicPr>
@@ -11066,7 +11066,7 @@
                       <p:nvPr/>
                     </p:nvPicPr>
                     <p:blipFill>
-                      <a:blip r:embed="rId5"/>
+                      <a:blip r:embed="rId6"/>
                       <a:stretch>
                         <a:fillRect/>
                       </a:stretch>
@@ -11236,12 +11236,12 @@
           <a:graphicData uri="http://schemas.openxmlformats.org/presentationml/2006/ole">
             <mc:AlternateContent xmlns:mc="http://schemas.openxmlformats.org/markup-compatibility/2006">
               <mc:Choice xmlns:v="urn:schemas-microsoft-com:vml" Requires="v">
-                <p:oleObj spid="_x0000_s51311" name="文書" r:id="rId4" imgW="4495800" imgH="1917700" progId="Word.Document.12">
+                <p:oleObj spid="_x0000_s51313" name="文書" r:id="rId5" imgW="4495800" imgH="1917700" progId="Word.Document.12">
                   <p:embed/>
                 </p:oleObj>
               </mc:Choice>
               <mc:Fallback>
-                <p:oleObj name="文書" r:id="rId4" imgW="4495800" imgH="1917700" progId="Word.Document.12">
+                <p:oleObj name="文書" r:id="rId5" imgW="4495800" imgH="1917700" progId="Word.Document.12">
                   <p:embed/>
                   <p:pic>
                     <p:nvPicPr>
@@ -11250,7 +11250,7 @@
                       <p:nvPr/>
                     </p:nvPicPr>
                     <p:blipFill>
-                      <a:blip r:embed="rId5"/>
+                      <a:blip r:embed="rId6"/>
                       <a:stretch>
                         <a:fillRect/>
                       </a:stretch>
@@ -11510,12 +11510,12 @@
           <a:graphicData uri="http://schemas.openxmlformats.org/presentationml/2006/ole">
             <mc:AlternateContent xmlns:mc="http://schemas.openxmlformats.org/markup-compatibility/2006">
               <mc:Choice xmlns:v="urn:schemas-microsoft-com:vml" Requires="v">
-                <p:oleObj spid="_x0000_s55999" name="文書" r:id="rId4" imgW="4495800" imgH="215900" progId="Word.Document.12">
+                <p:oleObj spid="_x0000_s56007" name="文書" r:id="rId5" imgW="4495800" imgH="215900" progId="Word.Document.12">
                   <p:embed/>
                 </p:oleObj>
               </mc:Choice>
               <mc:Fallback>
-                <p:oleObj name="文書" r:id="rId4" imgW="4495800" imgH="215900" progId="Word.Document.12">
+                <p:oleObj name="文書" r:id="rId5" imgW="4495800" imgH="215900" progId="Word.Document.12">
                   <p:embed/>
                   <p:pic>
                     <p:nvPicPr>
@@ -11524,7 +11524,7 @@
                       <p:nvPr/>
                     </p:nvPicPr>
                     <p:blipFill>
-                      <a:blip r:embed="rId5"/>
+                      <a:blip r:embed="rId6"/>
                       <a:stretch>
                         <a:fillRect/>
                       </a:stretch>
@@ -11639,12 +11639,12 @@
           <a:graphicData uri="http://schemas.openxmlformats.org/presentationml/2006/ole">
             <mc:AlternateContent xmlns:mc="http://schemas.openxmlformats.org/markup-compatibility/2006">
               <mc:Choice xmlns:v="urn:schemas-microsoft-com:vml" Requires="v">
-                <p:oleObj spid="_x0000_s56000" name="Equation" r:id="rId6" imgW="165100" imgH="139700" progId="Equation.DSMT4">
+                <p:oleObj spid="_x0000_s56008" name="Equation" r:id="rId7" imgW="165100" imgH="139700" progId="Equation.DSMT4">
                   <p:embed/>
                 </p:oleObj>
               </mc:Choice>
               <mc:Fallback>
-                <p:oleObj name="Equation" r:id="rId6" imgW="165100" imgH="139700" progId="Equation.DSMT4">
+                <p:oleObj name="Equation" r:id="rId7" imgW="165100" imgH="139700" progId="Equation.DSMT4">
                   <p:embed/>
                   <p:pic>
                     <p:nvPicPr>
@@ -11653,7 +11653,7 @@
                       <p:nvPr/>
                     </p:nvPicPr>
                     <p:blipFill>
-                      <a:blip r:embed="rId7"/>
+                      <a:blip r:embed="rId8"/>
                       <a:stretch>
                         <a:fillRect/>
                       </a:stretch>
@@ -11696,12 +11696,12 @@
           <a:graphicData uri="http://schemas.openxmlformats.org/presentationml/2006/ole">
             <mc:AlternateContent xmlns:mc="http://schemas.openxmlformats.org/markup-compatibility/2006">
               <mc:Choice xmlns:v="urn:schemas-microsoft-com:vml" Requires="v">
-                <p:oleObj spid="_x0000_s56001" name="Equation" r:id="rId8" imgW="190500" imgH="241300" progId="Equation.DSMT4">
+                <p:oleObj spid="_x0000_s56009" name="Equation" r:id="rId9" imgW="190500" imgH="241300" progId="Equation.DSMT4">
                   <p:embed/>
                 </p:oleObj>
               </mc:Choice>
               <mc:Fallback>
-                <p:oleObj name="Equation" r:id="rId8" imgW="190500" imgH="241300" progId="Equation.DSMT4">
+                <p:oleObj name="Equation" r:id="rId9" imgW="190500" imgH="241300" progId="Equation.DSMT4">
                   <p:embed/>
                   <p:pic>
                     <p:nvPicPr>
@@ -11710,7 +11710,7 @@
                       <p:nvPr/>
                     </p:nvPicPr>
                     <p:blipFill>
-                      <a:blip r:embed="rId9"/>
+                      <a:blip r:embed="rId10"/>
                       <a:stretch>
                         <a:fillRect/>
                       </a:stretch>
@@ -11825,12 +11825,12 @@
           <a:graphicData uri="http://schemas.openxmlformats.org/presentationml/2006/ole">
             <mc:AlternateContent xmlns:mc="http://schemas.openxmlformats.org/markup-compatibility/2006">
               <mc:Choice xmlns:v="urn:schemas-microsoft-com:vml" Requires="v">
-                <p:oleObj spid="_x0000_s56002" name="Equation" r:id="rId10" imgW="88900" imgH="139700" progId="Equation.DSMT4">
+                <p:oleObj spid="_x0000_s56010" name="Equation" r:id="rId11" imgW="88900" imgH="139700" progId="Equation.DSMT4">
                   <p:embed/>
                 </p:oleObj>
               </mc:Choice>
               <mc:Fallback>
-                <p:oleObj name="Equation" r:id="rId10" imgW="88900" imgH="139700" progId="Equation.DSMT4">
+                <p:oleObj name="Equation" r:id="rId11" imgW="88900" imgH="139700" progId="Equation.DSMT4">
                   <p:embed/>
                   <p:pic>
                     <p:nvPicPr>
@@ -11839,7 +11839,7 @@
                       <p:nvPr/>
                     </p:nvPicPr>
                     <p:blipFill>
-                      <a:blip r:embed="rId11"/>
+                      <a:blip r:embed="rId12"/>
                       <a:stretch>
                         <a:fillRect/>
                       </a:stretch>
@@ -11882,12 +11882,12 @@
           <a:graphicData uri="http://schemas.openxmlformats.org/presentationml/2006/ole">
             <mc:AlternateContent xmlns:mc="http://schemas.openxmlformats.org/markup-compatibility/2006">
               <mc:Choice xmlns:v="urn:schemas-microsoft-com:vml" Requires="v">
-                <p:oleObj spid="_x0000_s56003" name="Equation" r:id="rId12" imgW="203200" imgH="241300" progId="Equation.DSMT4">
+                <p:oleObj spid="_x0000_s56011" name="Equation" r:id="rId13" imgW="203200" imgH="241300" progId="Equation.DSMT4">
                   <p:embed/>
                 </p:oleObj>
               </mc:Choice>
               <mc:Fallback>
-                <p:oleObj name="Equation" r:id="rId12" imgW="203200" imgH="241300" progId="Equation.DSMT4">
+                <p:oleObj name="Equation" r:id="rId13" imgW="203200" imgH="241300" progId="Equation.DSMT4">
                   <p:embed/>
                   <p:pic>
                     <p:nvPicPr>
@@ -11896,7 +11896,7 @@
                       <p:nvPr/>
                     </p:nvPicPr>
                     <p:blipFill>
-                      <a:blip r:embed="rId13"/>
+                      <a:blip r:embed="rId14"/>
                       <a:stretch>
                         <a:fillRect/>
                       </a:stretch>
@@ -11939,12 +11939,12 @@
           <a:graphicData uri="http://schemas.openxmlformats.org/presentationml/2006/ole">
             <mc:AlternateContent xmlns:mc="http://schemas.openxmlformats.org/markup-compatibility/2006">
               <mc:Choice xmlns:v="urn:schemas-microsoft-com:vml" Requires="v">
-                <p:oleObj spid="_x0000_s56004" name="Equation" r:id="rId14" imgW="1003300" imgH="457200" progId="Equation.DSMT4">
+                <p:oleObj spid="_x0000_s56012" name="Equation" r:id="rId15" imgW="1003300" imgH="457200" progId="Equation.DSMT4">
                   <p:embed/>
                 </p:oleObj>
               </mc:Choice>
               <mc:Fallback>
-                <p:oleObj name="Equation" r:id="rId14" imgW="1003300" imgH="457200" progId="Equation.DSMT4">
+                <p:oleObj name="Equation" r:id="rId15" imgW="1003300" imgH="457200" progId="Equation.DSMT4">
                   <p:embed/>
                   <p:pic>
                     <p:nvPicPr>
@@ -11953,7 +11953,7 @@
                       <p:nvPr/>
                     </p:nvPicPr>
                     <p:blipFill>
-                      <a:blip r:embed="rId15"/>
+                      <a:blip r:embed="rId16"/>
                       <a:stretch>
                         <a:fillRect/>
                       </a:stretch>
@@ -11996,12 +11996,12 @@
           <a:graphicData uri="http://schemas.openxmlformats.org/presentationml/2006/ole">
             <mc:AlternateContent xmlns:mc="http://schemas.openxmlformats.org/markup-compatibility/2006">
               <mc:Choice xmlns:v="urn:schemas-microsoft-com:vml" Requires="v">
-                <p:oleObj spid="_x0000_s56005" name="Equation" r:id="rId16" imgW="1333500" imgH="469900" progId="Equation.DSMT4">
+                <p:oleObj spid="_x0000_s56013" name="Equation" r:id="rId17" imgW="1333500" imgH="469900" progId="Equation.DSMT4">
                   <p:embed/>
                 </p:oleObj>
               </mc:Choice>
               <mc:Fallback>
-                <p:oleObj name="Equation" r:id="rId16" imgW="1333500" imgH="469900" progId="Equation.DSMT4">
+                <p:oleObj name="Equation" r:id="rId17" imgW="1333500" imgH="469900" progId="Equation.DSMT4">
                   <p:embed/>
                   <p:pic>
                     <p:nvPicPr>
@@ -12010,7 +12010,7 @@
                       <p:nvPr/>
                     </p:nvPicPr>
                     <p:blipFill>
-                      <a:blip r:embed="rId17"/>
+                      <a:blip r:embed="rId18"/>
                       <a:stretch>
                         <a:fillRect/>
                       </a:stretch>
@@ -12040,7 +12040,7 @@
           <p:nvPr/>
         </p:nvPicPr>
         <p:blipFill rotWithShape="1">
-          <a:blip r:embed="rId18"/>
+          <a:blip r:embed="rId19"/>
           <a:srcRect l="24899" t="35165" r="10629" b="22286"/>
           <a:stretch/>
         </p:blipFill>
@@ -12063,7 +12063,7 @@
           <p:nvPr/>
         </p:nvPicPr>
         <p:blipFill rotWithShape="1">
-          <a:blip r:embed="rId18"/>
+          <a:blip r:embed="rId19"/>
           <a:srcRect l="24899" t="35165" r="10629" b="22286"/>
           <a:stretch/>
         </p:blipFill>
@@ -12086,7 +12086,7 @@
           <p:nvPr/>
         </p:nvPicPr>
         <p:blipFill rotWithShape="1">
-          <a:blip r:embed="rId19"/>
+          <a:blip r:embed="rId20"/>
           <a:srcRect l="12179" t="28805" r="36465" b="11280"/>
           <a:stretch/>
         </p:blipFill>
@@ -12109,7 +12109,7 @@
           <p:nvPr/>
         </p:nvPicPr>
         <p:blipFill rotWithShape="1">
-          <a:blip r:embed="rId19"/>
+          <a:blip r:embed="rId20"/>
           <a:srcRect l="12179" t="28805" r="36465" b="11280"/>
           <a:stretch/>
         </p:blipFill>
@@ -12182,12 +12182,12 @@
           <a:graphicData uri="http://schemas.openxmlformats.org/presentationml/2006/ole">
             <mc:AlternateContent xmlns:mc="http://schemas.openxmlformats.org/markup-compatibility/2006">
               <mc:Choice xmlns:v="urn:schemas-microsoft-com:vml" Requires="v">
-                <p:oleObj spid="_x0000_s47227" name="文書" r:id="rId4" imgW="4495800" imgH="1828800" progId="Word.Document.12">
+                <p:oleObj spid="_x0000_s47229" name="文書" r:id="rId5" imgW="4495800" imgH="1828800" progId="Word.Document.12">
                   <p:embed/>
                 </p:oleObj>
               </mc:Choice>
               <mc:Fallback>
-                <p:oleObj name="文書" r:id="rId4" imgW="4495800" imgH="1828800" progId="Word.Document.12">
+                <p:oleObj name="文書" r:id="rId5" imgW="4495800" imgH="1828800" progId="Word.Document.12">
                   <p:embed/>
                   <p:pic>
                     <p:nvPicPr>
@@ -12196,7 +12196,7 @@
                       <p:nvPr/>
                     </p:nvPicPr>
                     <p:blipFill>
-                      <a:blip r:embed="rId5"/>
+                      <a:blip r:embed="rId6"/>
                       <a:stretch>
                         <a:fillRect/>
                       </a:stretch>
@@ -12609,7 +12609,7 @@
   <a:extraClrSchemeLst/>
   <a:extLst>
     <a:ext uri="{05A4C25C-085E-4340-85A3-A5531E510DB2}">
-      <thm15:themeFamily xmlns:thm15="http://schemas.microsoft.com/office/thememl/2012/main" xmlns="" name="プレゼンテーション7" id="{423002E4-7FD9-6640-9BE1-02790D05BA1E}" vid="{82099355-738F-7B4C-8B1D-DB529BAB30B7}"/>
+      <thm15:themeFamily xmlns="" xmlns:thm15="http://schemas.microsoft.com/office/thememl/2012/main" name="プレゼンテーション7" id="{423002E4-7FD9-6640-9BE1-02790D05BA1E}" vid="{82099355-738F-7B4C-8B1D-DB529BAB30B7}"/>
     </a:ext>
   </a:extLst>
 </a:theme>
